--- a/State Design Pattern.pptx
+++ b/State Design Pattern.pptx
@@ -137,6 +137,7 @@
 <file path=ppt/revisionInfo.xml><?xml version="1.0" encoding="utf-8"?>
 <p1510:revInfo xmlns:a="http://schemas.openxmlformats.org/drawingml/2006/main" xmlns:r="http://schemas.openxmlformats.org/officeDocument/2006/relationships" xmlns:p1510="http://schemas.microsoft.com/office/powerpoint/2015/10/main">
   <p1510:revLst>
+    <p1510:client id="{8D27A82A-9735-D4AC-A9F9-2329F60984B3}" v="183" dt="2022-10-20T20:22:31.414"/>
     <p1510:client id="{ACDF8BB2-1EAC-2558-1F47-C50BA10CA530}" v="199" dt="2022-10-19T13:06:24.567"/>
     <p1510:client id="{B0601CD8-1665-412D-9AEE-4FCCDAD29E1B}" v="435" dt="2022-10-19T12:51:54.841"/>
   </p1510:revLst>
@@ -225,7 +226,7 @@
           <a:p>
             <a:fld id="{7487ADD9-2083-264C-A652-8D52D02F7E72}" type="datetimeFigureOut">
               <a:rPr lang="en-US" smtClean="0"/>
-              <a:t>10/19/2022</a:t>
+              <a:t>10/20/2022</a:t>
             </a:fld>
             <a:endParaRPr lang="en-US" dirty="0"/>
           </a:p>
@@ -1877,7 +1878,7 @@
           <a:p>
             <a:fld id="{AE46C21D-EBB5-4F3D-B06D-166777189317}" type="datetime1">
               <a:rPr lang="en-US" smtClean="0"/>
-              <a:t>10/19/2022</a:t>
+              <a:t>10/20/2022</a:t>
             </a:fld>
             <a:endParaRPr lang="en-US" dirty="0"/>
           </a:p>
@@ -2759,7 +2760,7 @@
           <a:p>
             <a:fld id="{1DFFEA26-EB1D-498C-95CD-1ECE586790AA}" type="datetime1">
               <a:rPr lang="en-US" smtClean="0"/>
-              <a:t>10/19/2022</a:t>
+              <a:t>10/20/2022</a:t>
             </a:fld>
             <a:endParaRPr lang="en-US" dirty="0"/>
           </a:p>
@@ -3930,7 +3931,7 @@
           <a:p>
             <a:fld id="{539842EE-D56F-4F18-94E7-094CEF23F906}" type="datetime1">
               <a:rPr lang="en-US" smtClean="0"/>
-              <a:t>10/19/2022</a:t>
+              <a:t>10/20/2022</a:t>
             </a:fld>
             <a:endParaRPr lang="en-US" dirty="0"/>
           </a:p>
@@ -6000,7 +6001,7 @@
           <a:p>
             <a:fld id="{45B08281-154C-4FEF-A6DF-18BA3AC0F374}" type="datetime1">
               <a:rPr lang="en-US" smtClean="0"/>
-              <a:t>10/19/2022</a:t>
+              <a:t>10/20/2022</a:t>
             </a:fld>
             <a:endParaRPr lang="en-US" dirty="0"/>
           </a:p>
@@ -6716,7 +6717,7 @@
           <a:p>
             <a:fld id="{04D857D4-BD7E-4A06-844B-AAD504F1114F}" type="datetime1">
               <a:rPr lang="en-US" smtClean="0"/>
-              <a:t>10/19/2022</a:t>
+              <a:t>10/20/2022</a:t>
             </a:fld>
             <a:endParaRPr lang="en-US" dirty="0"/>
           </a:p>
@@ -7939,7 +7940,7 @@
           <a:p>
             <a:fld id="{916AFA50-87A4-4E99-B112-8C6B1DFB84B2}" type="datetime1">
               <a:rPr lang="en-US" smtClean="0"/>
-              <a:t>10/19/2022</a:t>
+              <a:t>10/20/2022</a:t>
             </a:fld>
             <a:endParaRPr lang="en-US" dirty="0"/>
           </a:p>
@@ -8528,7 +8529,7 @@
           <a:p>
             <a:fld id="{6B3905CA-BF0F-4A1B-AA0D-85E42F5D5A85}" type="datetime1">
               <a:rPr lang="en-US" smtClean="0"/>
-              <a:t>10/19/2022</a:t>
+              <a:t>10/20/2022</a:t>
             </a:fld>
             <a:endParaRPr lang="en-US" dirty="0"/>
           </a:p>
@@ -8999,7 +9000,7 @@
           <a:p>
             <a:fld id="{D3DA9A77-60C0-4BB8-898D-2828EE4073AD}" type="datetime1">
               <a:rPr lang="en-US" smtClean="0"/>
-              <a:t>10/19/2022</a:t>
+              <a:t>10/20/2022</a:t>
             </a:fld>
             <a:endParaRPr lang="en-US" dirty="0"/>
           </a:p>
@@ -9831,7 +9832,7 @@
           <a:p>
             <a:fld id="{C1F30CD5-42B1-4614-9F46-5D29928CC2DB}" type="datetime1">
               <a:rPr lang="en-US" smtClean="0"/>
-              <a:t>10/19/2022</a:t>
+              <a:t>10/20/2022</a:t>
             </a:fld>
             <a:endParaRPr lang="en-US" dirty="0"/>
           </a:p>
@@ -12022,7 +12023,7 @@
           <a:p>
             <a:fld id="{EE6020E3-D95B-4E55-964F-4B1A98BDAA6F}" type="datetime1">
               <a:rPr lang="en-US" smtClean="0"/>
-              <a:t>10/19/2022</a:t>
+              <a:t>10/20/2022</a:t>
             </a:fld>
             <a:endParaRPr lang="en-US" dirty="0"/>
           </a:p>
@@ -12290,7 +12291,7 @@
           <a:p>
             <a:fld id="{FC9A72C8-1C87-42EF-8A11-BF6DFA19ED8B}" type="datetime1">
               <a:rPr lang="en-US" smtClean="0"/>
-              <a:t>10/19/2022</a:t>
+              <a:t>10/20/2022</a:t>
             </a:fld>
             <a:endParaRPr lang="en-US" dirty="0"/>
           </a:p>
@@ -13052,7 +13053,7 @@
         </p:nvSpPr>
         <p:spPr>
           <a:xfrm>
-            <a:off x="1210624" y="-194094"/>
+            <a:off x="1175182" y="381836"/>
             <a:ext cx="9779183" cy="1325563"/>
           </a:xfrm>
         </p:spPr>
@@ -13085,7 +13086,7 @@
         </p:nvSpPr>
         <p:spPr>
           <a:xfrm>
-            <a:off x="1210625" y="1183580"/>
+            <a:off x="1175183" y="1839254"/>
             <a:ext cx="9779182" cy="3366815"/>
           </a:xfrm>
         </p:spPr>
@@ -13099,39 +13100,36 @@
               <a:buChar char="•"/>
             </a:pPr>
             <a:r>
-              <a:rPr lang="en-US" dirty="0"/>
-              <a:t>The State is a behavioral design pattern that allows an object to change the behavior when its internal state changes.</a:t>
+              <a:rPr lang="en-US" dirty="0">
+                <a:ea typeface="+mn-lt"/>
+                <a:cs typeface="+mn-lt"/>
+              </a:rPr>
+              <a:t>The pattern suggests that you extract all state-specific code into a set of distinct classes. As a result, you can add new states or change existing ones independently of each other, reducing the maintenance cost.</a:t>
             </a:r>
           </a:p>
           <a:p>
             <a:pPr marL="457200" indent="-457200">
               <a:buChar char="•"/>
             </a:pPr>
-            <a:r>
-              <a:rPr lang="en-US" dirty="0"/>
-              <a:t>The pattern extracts state-related behaviors into separate state classes and forces the original object to delegate the work to an instance of these classes, instead of acting on its own.</a:t>
-            </a:r>
+            <a:endParaRPr lang="en-US" dirty="0"/>
           </a:p>
           <a:p>
             <a:pPr marL="457200" indent="-457200">
               <a:buChar char="•"/>
             </a:pPr>
             <a:r>
-              <a:rPr lang="en-US" dirty="0"/>
-              <a:t>This design pattern solves two main problems:</a:t>
-            </a:r>
-          </a:p>
-          <a:p>
-            <a:r>
-              <a:rPr lang="en-US" dirty="0"/>
-              <a:t>1.   An object should change its behavior when its internal state changes.</a:t>
-            </a:r>
-          </a:p>
-          <a:p>
-            <a:r>
-              <a:rPr lang="en-US" dirty="0"/>
-              <a:t>2.  State-specific behavior should define independently. So, adding new states should not affect the behavior of existing states</a:t>
-            </a:r>
+              <a:rPr lang="en-US" dirty="0">
+                <a:ea typeface="+mn-lt"/>
+                <a:cs typeface="+mn-lt"/>
+              </a:rPr>
+              <a:t>Instead of implementing all behaviors on its own, the original object, called context, stores a reference to one of the state objects that represents its current state, and delegates all the state-related work to that object.</a:t>
+            </a:r>
+          </a:p>
+          <a:p>
+            <a:pPr marL="457200" indent="-457200">
+              <a:buChar char="•"/>
+            </a:pPr>
+            <a:endParaRPr lang="en-US" dirty="0"/>
           </a:p>
           <a:p>
             <a:pPr marL="457200" indent="-457200">
@@ -13280,10 +13278,78 @@
           </a:bodyPr>
           <a:lstStyle/>
           <a:p>
+            <a:r>
+              <a:rPr lang="en-US" dirty="0">
+                <a:ea typeface="+mn-lt"/>
+                <a:cs typeface="+mn-lt"/>
+              </a:rPr>
+              <a:t>This design pattern solves two main problems:</a:t>
+            </a:r>
+          </a:p>
+          <a:p>
+            <a:pPr marL="285750" indent="-285750">
+              <a:buChar char="•"/>
+            </a:pPr>
+            <a:r>
+              <a:rPr lang="en-US" dirty="0">
+                <a:ea typeface="+mn-lt"/>
+                <a:cs typeface="+mn-lt"/>
+              </a:rPr>
+              <a:t>1.   An object should change its behavior when its internal state changes.</a:t>
+            </a:r>
+          </a:p>
+          <a:p>
+            <a:pPr marL="285750" indent="-285750">
+              <a:buChar char="•"/>
+            </a:pPr>
+            <a:r>
+              <a:rPr lang="en-US" dirty="0">
+                <a:ea typeface="+mn-lt"/>
+                <a:cs typeface="+mn-lt"/>
+              </a:rPr>
+              <a:t>2.  State-specific behavior should be defined independently. So, adding new states should not affect the behavior of existing states.</a:t>
+            </a:r>
+          </a:p>
+          <a:p>
+            <a:pPr marL="285750" indent="-285750">
+              <a:buFont typeface="Arial" panose="020B0604020202020204" pitchFamily="34" charset="0"/>
+              <a:buChar char="•"/>
+            </a:pPr>
+            <a:r>
+              <a:rPr lang="en-US" dirty="0">
+                <a:ea typeface="+mn-lt"/>
+                <a:cs typeface="+mn-lt"/>
+              </a:rPr>
+              <a:t>State can be considered as an extension of Strategy. Both are based on object composition. Strategy makes these objects independent and unaware of each other. However, State doesn't restrict dependencies between concrete states, letting them alter the state of the context at will.</a:t>
+            </a:r>
+            <a:endParaRPr lang="en-US" dirty="0"/>
+          </a:p>
+          <a:p>
+            <a:pPr marL="457200" indent="-457200">
+              <a:buFont typeface="Arial" panose="020B0604020202020204" pitchFamily="34" charset="0"/>
+              <a:buChar char="•"/>
+            </a:pPr>
+            <a:endParaRPr lang="en-US" dirty="0"/>
+          </a:p>
+          <a:p>
+            <a:pPr marL="285750" indent="-285750">
+              <a:buFont typeface="Arial" panose="020B0604020202020204" pitchFamily="34" charset="0"/>
+              <a:buChar char="•"/>
+            </a:pPr>
+            <a:endParaRPr lang="en-US" dirty="0"/>
+          </a:p>
+          <a:p>
+            <a:pPr marL="457200" indent="-457200">
+              <a:buFont typeface="Arial,Sans-Serif" panose="020B0604020202020204" pitchFamily="34" charset="0"/>
+              <a:buChar char="•"/>
+            </a:pPr>
+            <a:endParaRPr lang="en-US" dirty="0"/>
+          </a:p>
+          <a:p>
             <a:pPr marL="457200" indent="-457200">
               <a:buChar char="•"/>
             </a:pPr>
-            <a:endParaRPr lang="en-US"/>
+            <a:endParaRPr lang="en-US" dirty="0"/>
           </a:p>
         </p:txBody>
       </p:sp>
@@ -13303,14 +13369,19 @@
             <p:ph type="ftr" sz="quarter" idx="3"/>
           </p:nvPr>
         </p:nvSpPr>
-        <p:spPr/>
+        <p:spPr>
+          <a:xfrm>
+            <a:off x="7104961" y="701025"/>
+            <a:ext cx="4114800" cy="365125"/>
+          </a:xfrm>
+        </p:spPr>
         <p:txBody>
           <a:bodyPr/>
           <a:lstStyle/>
           <a:p>
             <a:r>
               <a:rPr lang="en-US" dirty="0"/>
-              <a:t>State Design Pattern</a:t>
+              <a:t>.</a:t>
             </a:r>
           </a:p>
         </p:txBody>
@@ -13459,8 +13530,11 @@
               <a:buChar char="•"/>
             </a:pPr>
             <a:r>
-              <a:rPr lang="en-US" dirty="0"/>
-              <a:t>If you can represent the objects state machine diagram. It's fairly easy to convert the diagram into the Finite State Machine using Functional &amp; Modular approach </a:t>
+              <a:rPr lang="en-US" dirty="0">
+                <a:ea typeface="+mn-lt"/>
+                <a:cs typeface="+mn-lt"/>
+              </a:rPr>
+              <a:t>Single Responsibility Principle. Organize the code related to particular states into separate classes.</a:t>
             </a:r>
           </a:p>
           <a:p>
@@ -13469,7 +13543,7 @@
             </a:pPr>
             <a:r>
               <a:rPr lang="en-US" dirty="0"/>
-              <a:t>The state design pattern also helps in unity testing as adding new behaviors / states won't affect existing behaviors / states </a:t>
+              <a:t>The state design pattern also helps in unit testing as adding new behaviors / states won't affect existing behaviors / states</a:t>
             </a:r>
           </a:p>
         </p:txBody>
@@ -13788,10 +13862,15 @@
         </p:nvSpPr>
         <p:spPr/>
         <p:txBody>
-          <a:bodyPr/>
+          <a:bodyPr vert="horz" lIns="91440" tIns="45720" rIns="91440" bIns="45720" rtlCol="0" anchor="t">
+            <a:noAutofit/>
+          </a:bodyPr>
           <a:lstStyle/>
           <a:p>
-            <a:endParaRPr lang="en-US"/>
+            <a:r>
+              <a:rPr lang="en-US" dirty="0"/>
+              <a:t>Examples: Use it in anything that requires state changing, like a Music Player, Player Animations, Combat System(Attack Combos) etc...</a:t>
+            </a:r>
           </a:p>
         </p:txBody>
       </p:sp>
@@ -13902,7 +13981,12 @@
             <p:ph type="title"/>
           </p:nvPr>
         </p:nvSpPr>
-        <p:spPr/>
+        <p:spPr>
+          <a:xfrm>
+            <a:off x="901251" y="-50494"/>
+            <a:ext cx="9779183" cy="1325563"/>
+          </a:xfrm>
+        </p:spPr>
         <p:txBody>
           <a:bodyPr/>
           <a:lstStyle/>
@@ -13914,31 +13998,35 @@
           </a:p>
         </p:txBody>
       </p:sp>
-      <p:sp>
-        <p:nvSpPr>
-          <p:cNvPr id="3" name="Content Placeholder 2">
-            <a:extLst>
-              <a:ext uri="{FF2B5EF4-FFF2-40B4-BE49-F238E27FC236}">
-                <a16:creationId xmlns:a16="http://schemas.microsoft.com/office/drawing/2014/main" id="{E43C8D4D-932E-EB9C-35C5-2D040B275B9F}"/>
-              </a:ext>
-            </a:extLst>
-          </p:cNvPr>
-          <p:cNvSpPr>
-            <a:spLocks noGrp="1"/>
-          </p:cNvSpPr>
+      <p:pic>
+        <p:nvPicPr>
+          <p:cNvPr id="6" name="Picture 6" descr="Text&#10;&#10;Description automatically generated">
+            <a:extLst>
+              <a:ext uri="{FF2B5EF4-FFF2-40B4-BE49-F238E27FC236}">
+                <a16:creationId xmlns:a16="http://schemas.microsoft.com/office/drawing/2014/main" id="{095E2A6B-73E1-9BF7-990F-34DF3DB95388}"/>
+              </a:ext>
+            </a:extLst>
+          </p:cNvPr>
+          <p:cNvPicPr>
+            <a:picLocks noGrp="1" noChangeAspect="1"/>
+          </p:cNvPicPr>
           <p:nvPr>
             <p:ph idx="1"/>
           </p:nvPr>
-        </p:nvSpPr>
-        <p:spPr/>
-        <p:txBody>
-          <a:bodyPr/>
-          <a:lstStyle/>
-          <a:p>
-            <a:endParaRPr lang="en-US"/>
-          </a:p>
-        </p:txBody>
-      </p:sp>
+        </p:nvPicPr>
+        <p:blipFill>
+          <a:blip r:embed="rId2"/>
+          <a:stretch>
+            <a:fillRect/>
+          </a:stretch>
+        </p:blipFill>
+        <p:spPr>
+          <a:xfrm>
+            <a:off x="1153127" y="1319733"/>
+            <a:ext cx="5153289" cy="4321610"/>
+          </a:xfrm>
+        </p:spPr>
+      </p:pic>
       <p:sp>
         <p:nvSpPr>
           <p:cNvPr id="4" name="Footer Placeholder 3">
@@ -13955,7 +14043,12 @@
             <p:ph type="ftr" sz="quarter" idx="3"/>
           </p:nvPr>
         </p:nvSpPr>
-        <p:spPr/>
+        <p:spPr>
+          <a:xfrm>
+            <a:off x="3212335" y="5989121"/>
+            <a:ext cx="4812534" cy="365125"/>
+          </a:xfrm>
+        </p:spPr>
         <p:txBody>
           <a:bodyPr/>
           <a:lstStyle/>
@@ -13965,7 +14058,7 @@
                 <a:ea typeface="+mn-lt"/>
                 <a:cs typeface="+mn-lt"/>
               </a:rPr>
-              <a:t>State Design Pattern</a:t>
+              <a:t>https://github.com/AdamMcguigan/State-Design-Pattern</a:t>
             </a:r>
             <a:endParaRPr lang="en-US" dirty="0"/>
           </a:p>
@@ -14001,6 +14094,36 @@
           </a:p>
         </p:txBody>
       </p:sp>
+      <p:pic>
+        <p:nvPicPr>
+          <p:cNvPr id="7" name="Picture 7" descr="Text&#10;&#10;Description automatically generated">
+            <a:extLst>
+              <a:ext uri="{FF2B5EF4-FFF2-40B4-BE49-F238E27FC236}">
+                <a16:creationId xmlns:a16="http://schemas.microsoft.com/office/drawing/2014/main" id="{E3BBAA6D-0181-B1D2-AB6A-8494D48EF4DB}"/>
+              </a:ext>
+            </a:extLst>
+          </p:cNvPr>
+          <p:cNvPicPr>
+            <a:picLocks noChangeAspect="1"/>
+          </p:cNvPicPr>
+          <p:nvPr/>
+        </p:nvPicPr>
+        <p:blipFill>
+          <a:blip r:embed="rId3"/>
+          <a:stretch>
+            <a:fillRect/>
+          </a:stretch>
+        </p:blipFill>
+        <p:spPr>
+          <a:xfrm>
+            <a:off x="6725797" y="1317119"/>
+            <a:ext cx="4322284" cy="4480822"/>
+          </a:xfrm>
+          <a:prstGeom prst="rect">
+            <a:avLst/>
+          </a:prstGeom>
+        </p:spPr>
+      </p:pic>
     </p:spTree>
     <p:extLst>
       <p:ext uri="{BB962C8B-B14F-4D97-AF65-F5344CB8AC3E}">
@@ -14511,15 +14634,6 @@
 </file>
 
 <file path=customXml/item1.xml><?xml version="1.0" encoding="utf-8"?>
-<?mso-contentType ?>
-<FormTemplates xmlns="http://schemas.microsoft.com/sharepoint/v3/contenttype/forms">
-  <Display>DocumentLibraryForm</Display>
-  <Edit>DocumentLibraryForm</Edit>
-  <New>DocumentLibraryForm</New>
-</FormTemplates>
-</file>
-
-<file path=customXml/item2.xml><?xml version="1.0" encoding="utf-8"?>
 <p:properties xmlns:p="http://schemas.microsoft.com/office/2006/metadata/properties" xmlns:xsi="http://www.w3.org/2001/XMLSchema-instance" xmlns:pc="http://schemas.microsoft.com/office/infopath/2007/PartnerControls">
   <documentManagement>
     <_ip_UnifiedCompliancePolicyUIAction xmlns="http://schemas.microsoft.com/sharepoint/v3" xsi:nil="true"/>
@@ -14536,6 +14650,15 @@
     <MediaServiceKeyPoints xmlns="71af3243-3dd4-4a8d-8c0d-dd76da1f02a5" xsi:nil="true"/>
   </documentManagement>
 </p:properties>
+</file>
+
+<file path=customXml/item2.xml><?xml version="1.0" encoding="utf-8"?>
+<?mso-contentType ?>
+<FormTemplates xmlns="http://schemas.microsoft.com/sharepoint/v3/contenttype/forms">
+  <Display>DocumentLibraryForm</Display>
+  <Edit>DocumentLibraryForm</Edit>
+  <New>DocumentLibraryForm</New>
+</FormTemplates>
 </file>
 
 <file path=customXml/item3.xml><?xml version="1.0" encoding="utf-8"?>
@@ -14821,14 +14944,6 @@
 </file>
 
 <file path=customXml/itemProps1.xml><?xml version="1.0" encoding="utf-8"?>
-<ds:datastoreItem xmlns:ds="http://schemas.openxmlformats.org/officeDocument/2006/customXml" ds:itemID="{42076B5C-85B0-4D30-852D-5E5312EEA93B}">
-  <ds:schemaRefs>
-    <ds:schemaRef ds:uri="http://schemas.microsoft.com/sharepoint/v3/contenttype/forms"/>
-  </ds:schemaRefs>
-</ds:datastoreItem>
-</file>
-
-<file path=customXml/itemProps2.xml><?xml version="1.0" encoding="utf-8"?>
 <ds:datastoreItem xmlns:ds="http://schemas.openxmlformats.org/officeDocument/2006/customXml" ds:itemID="{1342FAFE-88B4-49B4-9588-86CB0E564E50}">
   <ds:schemaRefs>
     <ds:schemaRef ds:uri="http://schemas.microsoft.com/office/2006/metadata/properties"/>
@@ -14836,6 +14951,14 @@
     <ds:schemaRef ds:uri="http://schemas.microsoft.com/sharepoint/v3"/>
     <ds:schemaRef ds:uri="71af3243-3dd4-4a8d-8c0d-dd76da1f02a5"/>
     <ds:schemaRef ds:uri="230e9df3-be65-4c73-a93b-d1236ebd677e"/>
+  </ds:schemaRefs>
+</ds:datastoreItem>
+</file>
+
+<file path=customXml/itemProps2.xml><?xml version="1.0" encoding="utf-8"?>
+<ds:datastoreItem xmlns:ds="http://schemas.openxmlformats.org/officeDocument/2006/customXml" ds:itemID="{42076B5C-85B0-4D30-852D-5E5312EEA93B}">
+  <ds:schemaRefs>
+    <ds:schemaRef ds:uri="http://schemas.microsoft.com/sharepoint/v3/contenttype/forms"/>
   </ds:schemaRefs>
 </ds:datastoreItem>
 </file>
